--- a/OneDayProject.pptx
+++ b/OneDayProject.pptx
@@ -7,7 +7,6 @@
   <p:sldIdLst>
     <p:sldId id="256" r:id="rId2"/>
     <p:sldId id="257" r:id="rId3"/>
-    <p:sldId id="258" r:id="rId4"/>
   </p:sldIdLst>
   <p:sldSz cx="9144000" cy="6858000" type="screen4x3"/>
   <p:notesSz cx="6858000" cy="9144000"/>
@@ -106,6 +105,22 @@
       </a:defRPr>
     </a:lvl9pPr>
   </p:defaultTextStyle>
+  <p:extLst>
+    <p:ext uri="{EFAFB233-063F-42B5-8137-9DF3F51BA10A}">
+      <p15:sldGuideLst xmlns:p15="http://schemas.microsoft.com/office/powerpoint/2012/main">
+        <p15:guide id="1" orient="horz" pos="2160">
+          <p15:clr>
+            <a:srgbClr val="A4A3A4"/>
+          </p15:clr>
+        </p15:guide>
+        <p15:guide id="2" pos="2880">
+          <p15:clr>
+            <a:srgbClr val="A4A3A4"/>
+          </p15:clr>
+        </p15:guide>
+      </p15:sldGuideLst>
+    </p:ext>
+  </p:extLst>
 </p:presentation>
 </file>
 
@@ -4691,7 +4706,7 @@
       </p:grpSpPr>
       <p:pic>
         <p:nvPicPr>
-          <p:cNvPr id="4" name="그림 3"/>
+          <p:cNvPr id="2" name="그림 1"/>
           <p:cNvPicPr>
             <a:picLocks noChangeAspect="1"/>
           </p:cNvPicPr>
@@ -4711,8 +4726,8 @@
         </p:blipFill>
         <p:spPr>
           <a:xfrm>
-            <a:off x="0" y="0"/>
-            <a:ext cx="9144000" cy="6858000"/>
+            <a:off x="0" y="47183"/>
+            <a:ext cx="9144000" cy="6763633"/>
           </a:xfrm>
           <a:prstGeom prst="rect">
             <a:avLst/>
@@ -4723,86 +4738,6 @@
     <p:extLst>
       <p:ext uri="{BB962C8B-B14F-4D97-AF65-F5344CB8AC3E}">
         <p14:creationId xmlns:p14="http://schemas.microsoft.com/office/powerpoint/2010/main" val="487955217"/>
-      </p:ext>
-    </p:extLst>
-  </p:cSld>
-  <p:clrMapOvr>
-    <a:masterClrMapping/>
-  </p:clrMapOvr>
-  <p:timing>
-    <p:tnLst>
-      <p:par>
-        <p:cTn id="1" dur="indefinite" restart="never" nodeType="tmRoot"/>
-      </p:par>
-    </p:tnLst>
-  </p:timing>
-</p:sld>
-</file>
-
-<file path=ppt/slides/slide3.xml><?xml version="1.0" encoding="utf-8"?>
-<p:sld xmlns:a="http://schemas.openxmlformats.org/drawingml/2006/main" xmlns:r="http://schemas.openxmlformats.org/officeDocument/2006/relationships" xmlns:p="http://schemas.openxmlformats.org/presentationml/2006/main">
-  <p:cSld>
-    <p:spTree>
-      <p:nvGrpSpPr>
-        <p:cNvPr id="1" name=""/>
-        <p:cNvGrpSpPr/>
-        <p:nvPr/>
-      </p:nvGrpSpPr>
-      <p:grpSpPr>
-        <a:xfrm>
-          <a:off x="0" y="0"/>
-          <a:ext cx="0" cy="0"/>
-          <a:chOff x="0" y="0"/>
-          <a:chExt cx="0" cy="0"/>
-        </a:xfrm>
-      </p:grpSpPr>
-      <p:sp>
-        <p:nvSpPr>
-          <p:cNvPr id="2" name="내용 개체 틀 1"/>
-          <p:cNvSpPr>
-            <a:spLocks noGrp="1"/>
-          </p:cNvSpPr>
-          <p:nvPr>
-            <p:ph idx="1"/>
-          </p:nvPr>
-        </p:nvSpPr>
-        <p:spPr/>
-        <p:txBody>
-          <a:bodyPr/>
-          <a:lstStyle/>
-          <a:p>
-            <a:endParaRPr lang="ko-KR" altLang="en-US" dirty="0"/>
-          </a:p>
-        </p:txBody>
-      </p:sp>
-      <p:sp>
-        <p:nvSpPr>
-          <p:cNvPr id="3" name="제목 2"/>
-          <p:cNvSpPr>
-            <a:spLocks noGrp="1"/>
-          </p:cNvSpPr>
-          <p:nvPr>
-            <p:ph type="title"/>
-          </p:nvPr>
-        </p:nvSpPr>
-        <p:spPr/>
-        <p:txBody>
-          <a:bodyPr/>
-          <a:lstStyle/>
-          <a:p>
-            <a:pPr algn="ctr"/>
-            <a:r>
-              <a:rPr lang="ko-KR" altLang="en-US" dirty="0" smtClean="0"/>
-              <a:t>죄송합니다</a:t>
-            </a:r>
-            <a:endParaRPr lang="ko-KR" altLang="en-US" dirty="0"/>
-          </a:p>
-        </p:txBody>
-      </p:sp>
-    </p:spTree>
-    <p:extLst>
-      <p:ext uri="{BB962C8B-B14F-4D97-AF65-F5344CB8AC3E}">
-        <p14:creationId xmlns:p14="http://schemas.microsoft.com/office/powerpoint/2010/main" val="2810424128"/>
       </p:ext>
     </p:extLst>
   </p:cSld>
